--- a/Project/Abstract.pptx
+++ b/Project/Abstract.pptx
@@ -112,6 +112,22 @@
       </a:defRPr>
     </a:lvl9pPr>
   </p:defaultTextStyle>
+  <p:extLst>
+    <p:ext uri="{EFAFB233-063F-42B5-8137-9DF3F51BA10A}">
+      <p15:sldGuideLst xmlns:p15="http://schemas.microsoft.com/office/powerpoint/2012/main">
+        <p15:guide id="1" orient="horz" pos="2160">
+          <p15:clr>
+            <a:srgbClr val="A4A3A4"/>
+          </p15:clr>
+        </p15:guide>
+        <p15:guide id="2" pos="2880">
+          <p15:clr>
+            <a:srgbClr val="A4A3A4"/>
+          </p15:clr>
+        </p15:guide>
+      </p15:sldGuideLst>
+    </p:ext>
+  </p:extLst>
 </p:presentation>
 </file>
 
@@ -14626,6 +14642,13 @@
   <p:clrMapOvr>
     <a:masterClrMapping/>
   </p:clrMapOvr>
+  <p:timing>
+    <p:tnLst>
+      <p:par>
+        <p:cTn id="1" dur="indefinite" restart="never" nodeType="tmRoot"/>
+      </p:par>
+    </p:tnLst>
+  </p:timing>
 </p:sld>
 </file>
 
@@ -14715,6 +14738,13 @@
   <p:clrMapOvr>
     <a:masterClrMapping/>
   </p:clrMapOvr>
+  <p:timing>
+    <p:tnLst>
+      <p:par>
+        <p:cTn id="1" dur="indefinite" restart="never" nodeType="tmRoot"/>
+      </p:par>
+    </p:tnLst>
+  </p:timing>
 </p:sld>
 </file>
 
@@ -14924,105 +14954,48 @@
           <a:p>
             <a:r>
               <a:rPr lang="en-US" altLang="zh-TW" dirty="0" smtClean="0"/>
-              <a:t>Several mainstreams</a:t>
+              <a:t>Estimate the similarity of two nodes</a:t>
+            </a:r>
+          </a:p>
+          <a:p>
+            <a:r>
+              <a:rPr lang="en-US" altLang="zh-TW" dirty="0" smtClean="0"/>
+              <a:t>Many metrics</a:t>
+            </a:r>
+            <a:endParaRPr lang="en-US" altLang="zh-TW" dirty="0" smtClean="0"/>
+          </a:p>
+          <a:p>
+            <a:pPr lvl="1"/>
+            <a:r>
+              <a:rPr lang="en-US" altLang="zh-TW" dirty="0" smtClean="0"/>
+              <a:t>Small World</a:t>
             </a:r>
           </a:p>
           <a:p>
             <a:pPr lvl="1"/>
             <a:r>
               <a:rPr lang="en-US" altLang="zh-TW" dirty="0" smtClean="0"/>
-              <a:t>Stochastic Block Model </a:t>
-            </a:r>
-            <a:r>
-              <a:rPr lang="en-US" altLang="zh-TW" sz="2400" dirty="0" smtClean="0">
-                <a:solidFill>
-                  <a:schemeClr val="bg1">
-                    <a:lumMod val="65000"/>
-                  </a:schemeClr>
-                </a:solidFill>
-              </a:rPr>
-              <a:t>[</a:t>
-            </a:r>
-            <a:r>
-              <a:rPr lang="en-US" altLang="zh-TW" sz="2400" dirty="0" err="1" smtClean="0">
-                <a:solidFill>
-                  <a:schemeClr val="bg1">
-                    <a:lumMod val="65000"/>
-                  </a:schemeClr>
-                </a:solidFill>
-              </a:rPr>
-              <a:t>Guimerà</a:t>
-            </a:r>
-            <a:r>
-              <a:rPr lang="en-US" altLang="zh-TW" sz="2400" dirty="0" smtClean="0">
-                <a:solidFill>
-                  <a:schemeClr val="bg1">
-                    <a:lumMod val="65000"/>
-                  </a:schemeClr>
-                </a:solidFill>
-              </a:rPr>
-              <a:t>, 2009]</a:t>
-            </a:r>
-            <a:endParaRPr lang="en-US" altLang="zh-TW" dirty="0" smtClean="0">
-              <a:solidFill>
-                <a:schemeClr val="bg1">
-                  <a:lumMod val="65000"/>
-                </a:schemeClr>
-              </a:solidFill>
-            </a:endParaRPr>
-          </a:p>
-          <a:p>
-            <a:pPr lvl="1"/>
-            <a:r>
-              <a:rPr lang="en-US" altLang="zh-TW" dirty="0" smtClean="0"/>
-              <a:t>Hierarchical Structure Model </a:t>
-            </a:r>
-            <a:r>
-              <a:rPr lang="en-US" altLang="zh-TW" sz="2400" dirty="0">
-                <a:solidFill>
-                  <a:schemeClr val="bg1">
-                    <a:lumMod val="65000"/>
-                  </a:schemeClr>
-                </a:solidFill>
-              </a:rPr>
-              <a:t>[Murata, 2008]</a:t>
+              <a:t>Cluster</a:t>
             </a:r>
           </a:p>
           <a:p>
             <a:pPr lvl="1"/>
             <a:r>
               <a:rPr lang="en-US" altLang="zh-TW" dirty="0" smtClean="0"/>
-              <a:t>Heterogeneous Bibliographic Networks </a:t>
-            </a:r>
-            <a:r>
-              <a:rPr lang="en-US" altLang="zh-TW" sz="2400" dirty="0">
-                <a:solidFill>
-                  <a:schemeClr val="bg1">
-                    <a:lumMod val="65000"/>
-                  </a:schemeClr>
-                </a:solidFill>
-              </a:rPr>
-              <a:t>[Sun, 2011]</a:t>
-            </a:r>
-          </a:p>
-          <a:p>
-            <a:r>
-              <a:rPr lang="en-US" altLang="zh-TW" dirty="0" smtClean="0"/>
-              <a:t>Not suitable for co-authorship network</a:t>
+              <a:t>Centrality</a:t>
             </a:r>
           </a:p>
           <a:p>
             <a:pPr lvl="1"/>
             <a:r>
               <a:rPr lang="en-US" altLang="zh-TW" dirty="0" smtClean="0"/>
-              <a:t>Sparse</a:t>
+              <a:t>PageRank</a:t>
             </a:r>
           </a:p>
           <a:p>
-            <a:pPr lvl="1"/>
             <a:r>
               <a:rPr lang="en-US" altLang="zh-TW" dirty="0" smtClean="0"/>
-              <a:t>Further knowledge required</a:t>
+              <a:t>Performance varies in different situations</a:t>
             </a:r>
             <a:endParaRPr lang="zh-TW" altLang="en-US" dirty="0"/>
           </a:p>
@@ -16419,11 +16392,11 @@
   <p:clrMapOvr>
     <a:masterClrMapping/>
   </p:clrMapOvr>
-  <mc:AlternateContent xmlns:mc="http://schemas.openxmlformats.org/markup-compatibility/2006">
-    <mc:Choice xmlns:p14="http://schemas.microsoft.com/office/powerpoint/2010/main" Requires="p14">
+  <mc:AlternateContent xmlns:mc="http://schemas.openxmlformats.org/markup-compatibility/2006" xmlns:p14="http://schemas.microsoft.com/office/powerpoint/2010/main">
+    <mc:Choice Requires="p14">
       <p:transition spd="slow" p14:dur="2000"/>
     </mc:Choice>
-    <mc:Fallback>
+    <mc:Fallback xmlns="">
       <p:transition spd="slow"/>
     </mc:Fallback>
   </mc:AlternateContent>
@@ -16818,6 +16791,13 @@
   <p:clrMapOvr>
     <a:masterClrMapping/>
   </p:clrMapOvr>
+  <p:timing>
+    <p:tnLst>
+      <p:par>
+        <p:cTn id="1" dur="indefinite" restart="never" nodeType="tmRoot"/>
+      </p:par>
+    </p:tnLst>
+  </p:timing>
 </p:sld>
 </file>
 
@@ -16906,6 +16886,13 @@
   <p:clrMapOvr>
     <a:masterClrMapping/>
   </p:clrMapOvr>
+  <p:timing>
+    <p:tnLst>
+      <p:par>
+        <p:cTn id="1" dur="indefinite" restart="never" nodeType="tmRoot"/>
+      </p:par>
+    </p:tnLst>
+  </p:timing>
 </p:sld>
 </file>
 

--- a/Project/Abstract.pptx
+++ b/Project/Abstract.pptx
@@ -8,7 +8,7 @@
     <p:sldId id="256" r:id="rId2"/>
     <p:sldId id="257" r:id="rId3"/>
     <p:sldId id="260" r:id="rId4"/>
-    <p:sldId id="261" r:id="rId5"/>
+    <p:sldId id="268" r:id="rId5"/>
     <p:sldId id="262" r:id="rId6"/>
     <p:sldId id="263" r:id="rId7"/>
     <p:sldId id="264" r:id="rId8"/>
@@ -112,22 +112,6 @@
       </a:defRPr>
     </a:lvl9pPr>
   </p:defaultTextStyle>
-  <p:extLst>
-    <p:ext uri="{EFAFB233-063F-42B5-8137-9DF3F51BA10A}">
-      <p15:sldGuideLst xmlns:p15="http://schemas.microsoft.com/office/powerpoint/2012/main">
-        <p15:guide id="1" orient="horz" pos="2160">
-          <p15:clr>
-            <a:srgbClr val="A4A3A4"/>
-          </p15:clr>
-        </p15:guide>
-        <p15:guide id="2" pos="2880">
-          <p15:clr>
-            <a:srgbClr val="A4A3A4"/>
-          </p15:clr>
-        </p15:guide>
-      </p15:sldGuideLst>
-    </p:ext>
-  </p:extLst>
 </p:presentation>
 </file>
 
@@ -14628,7 +14612,34 @@
           <a:bodyPr/>
           <a:lstStyle/>
           <a:p>
-            <a:endParaRPr lang="zh-TW" altLang="en-US"/>
+            <a:r>
+              <a:rPr lang="zh-TW" altLang="en-US" dirty="0" smtClean="0"/>
+              <a:t>電機碩二 </a:t>
+            </a:r>
+            <a:r>
+              <a:rPr lang="en-US" altLang="zh-TW" dirty="0" smtClean="0"/>
+              <a:t>R02921044 </a:t>
+            </a:r>
+            <a:r>
+              <a:rPr lang="zh-TW" altLang="en-US" dirty="0" smtClean="0"/>
+              <a:t>童予凡</a:t>
+            </a:r>
+            <a:endParaRPr lang="en-US" altLang="zh-TW" dirty="0" smtClean="0"/>
+          </a:p>
+          <a:p>
+            <a:r>
+              <a:rPr lang="zh-TW" altLang="en-US" dirty="0" smtClean="0"/>
+              <a:t>電機碩二 </a:t>
+            </a:r>
+            <a:r>
+              <a:rPr lang="en-US" altLang="zh-TW" dirty="0" smtClean="0"/>
+              <a:t>R02921074</a:t>
+            </a:r>
+            <a:r>
+              <a:rPr lang="zh-TW" altLang="en-US" dirty="0" smtClean="0"/>
+              <a:t> 吳家輝</a:t>
+            </a:r>
+            <a:endParaRPr lang="zh-TW" altLang="en-US" dirty="0"/>
           </a:p>
         </p:txBody>
       </p:sp>
@@ -14642,13 +14653,6 @@
   <p:clrMapOvr>
     <a:masterClrMapping/>
   </p:clrMapOvr>
-  <p:timing>
-    <p:tnLst>
-      <p:par>
-        <p:cTn id="1" dur="indefinite" restart="never" nodeType="tmRoot"/>
-      </p:par>
-    </p:tnLst>
-  </p:timing>
 </p:sld>
 </file>
 
@@ -14691,9 +14695,10 @@
           </a:p>
           <a:p>
             <a:r>
-              <a:rPr lang="en-US" altLang="zh-TW" dirty="0" smtClean="0"/>
-              <a:t>Weighted graph</a:t>
+              <a:rPr lang="en-US" altLang="zh-TW" smtClean="0"/>
+              <a:t>Undirected weighted graph</a:t>
             </a:r>
+            <a:endParaRPr lang="en-US" altLang="zh-TW" dirty="0" smtClean="0"/>
           </a:p>
           <a:p>
             <a:pPr lvl="1"/>
@@ -14738,13 +14743,6 @@
   <p:clrMapOvr>
     <a:masterClrMapping/>
   </p:clrMapOvr>
-  <p:timing>
-    <p:tnLst>
-      <p:par>
-        <p:cTn id="1" dur="indefinite" restart="never" nodeType="tmRoot"/>
-      </p:par>
-    </p:tnLst>
-  </p:timing>
 </p:sld>
 </file>
 
@@ -14962,7 +14960,6 @@
               <a:rPr lang="en-US" altLang="zh-TW" dirty="0" smtClean="0"/>
               <a:t>Many metrics</a:t>
             </a:r>
-            <a:endParaRPr lang="en-US" altLang="zh-TW" dirty="0" smtClean="0"/>
           </a:p>
           <a:p>
             <a:pPr lvl="1"/>
@@ -15027,7 +15024,7 @@
     </p:spTree>
     <p:extLst>
       <p:ext uri="{BB962C8B-B14F-4D97-AF65-F5344CB8AC3E}">
-        <p14:creationId xmlns:p14="http://schemas.microsoft.com/office/powerpoint/2010/main" val="3256324483"/>
+        <p14:creationId xmlns:p14="http://schemas.microsoft.com/office/powerpoint/2010/main" val="2241044896"/>
       </p:ext>
     </p:extLst>
   </p:cSld>
@@ -16791,13 +16788,6 @@
   <p:clrMapOvr>
     <a:masterClrMapping/>
   </p:clrMapOvr>
-  <p:timing>
-    <p:tnLst>
-      <p:par>
-        <p:cTn id="1" dur="indefinite" restart="never" nodeType="tmRoot"/>
-      </p:par>
-    </p:tnLst>
-  </p:timing>
 </p:sld>
 </file>
 
@@ -16886,13 +16876,6 @@
   <p:clrMapOvr>
     <a:masterClrMapping/>
   </p:clrMapOvr>
-  <p:timing>
-    <p:tnLst>
-      <p:par>
-        <p:cTn id="1" dur="indefinite" restart="never" nodeType="tmRoot"/>
-      </p:par>
-    </p:tnLst>
-  </p:timing>
 </p:sld>
 </file>
 

--- a/Project/Abstract.pptx
+++ b/Project/Abstract.pptx
@@ -112,6 +112,22 @@
       </a:defRPr>
     </a:lvl9pPr>
   </p:defaultTextStyle>
+  <p:extLst>
+    <p:ext uri="{EFAFB233-063F-42B5-8137-9DF3F51BA10A}">
+      <p15:sldGuideLst xmlns:p15="http://schemas.microsoft.com/office/powerpoint/2012/main">
+        <p15:guide id="1" orient="horz" pos="2160">
+          <p15:clr>
+            <a:srgbClr val="A4A3A4"/>
+          </p15:clr>
+        </p15:guide>
+        <p15:guide id="2" pos="2880">
+          <p15:clr>
+            <a:srgbClr val="A4A3A4"/>
+          </p15:clr>
+        </p15:guide>
+      </p15:sldGuideLst>
+    </p:ext>
+  </p:extLst>
 </p:presentation>
 </file>
 
@@ -14621,8 +14637,8 @@
               <a:t>R02921044 </a:t>
             </a:r>
             <a:r>
-              <a:rPr lang="zh-TW" altLang="en-US" dirty="0" smtClean="0"/>
-              <a:t>童予凡</a:t>
+              <a:rPr lang="zh-TW" altLang="en-US" smtClean="0"/>
+              <a:t>童宇凡</a:t>
             </a:r>
             <a:endParaRPr lang="en-US" altLang="zh-TW" dirty="0" smtClean="0"/>
           </a:p>
